--- a/photos and graphics/screen_cam_matrix.pptx
+++ b/photos and graphics/screen_cam_matrix.pptx
@@ -19821,7 +19821,7 @@
                       </a:prstClr>
                     </a:outerShdw>
                   </a:effectLst>
-                  <a:sp3d z="-1270000"/>
+                  <a:sp3d z="-1270000" extrusionH="38100"/>
                 </p:spPr>
                 <p:style>
                   <a:lnRef idx="2">
@@ -19902,6 +19902,7 @@
                         </a:schemeClr>
                       </a:solidFill>
                     </a:ln>
+                    <a:sp3d extrusionH="38100"/>
                   </p:spPr>
                   <p:style>
                     <a:lnRef idx="2">
@@ -19963,7 +19964,7 @@
                         </a:schemeClr>
                       </a:solidFill>
                     </a:ln>
-                    <a:sp3d z="101600"/>
+                    <a:sp3d z="101600" extrusionH="38100"/>
                   </p:spPr>
                   <p:style>
                     <a:lnRef idx="2">
@@ -20025,7 +20026,7 @@
                         </a:schemeClr>
                       </a:solidFill>
                     </a:ln>
-                    <a:sp3d z="203200"/>
+                    <a:sp3d z="203200" extrusionH="38100"/>
                   </p:spPr>
                   <p:style>
                     <a:lnRef idx="2">
@@ -20087,7 +20088,7 @@
                         </a:schemeClr>
                       </a:solidFill>
                     </a:ln>
-                    <a:sp3d z="304800"/>
+                    <a:sp3d z="304800" extrusionH="38100"/>
                   </p:spPr>
                   <p:style>
                     <a:lnRef idx="2">
@@ -20149,7 +20150,7 @@
                         </a:schemeClr>
                       </a:solidFill>
                     </a:ln>
-                    <a:sp3d z="406400"/>
+                    <a:sp3d z="406400" extrusionH="38100"/>
                   </p:spPr>
                   <p:style>
                     <a:lnRef idx="2">
@@ -20211,7 +20212,7 @@
                         </a:schemeClr>
                       </a:solidFill>
                     </a:ln>
-                    <a:sp3d z="508000"/>
+                    <a:sp3d z="508000" extrusionH="38100"/>
                   </p:spPr>
                   <p:style>
                     <a:lnRef idx="2">
@@ -20273,7 +20274,7 @@
                         </a:schemeClr>
                       </a:solidFill>
                     </a:ln>
-                    <a:sp3d z="609600"/>
+                    <a:sp3d z="609600" extrusionH="38100"/>
                   </p:spPr>
                   <p:style>
                     <a:lnRef idx="2">
@@ -20335,7 +20336,7 @@
                         </a:schemeClr>
                       </a:solidFill>
                     </a:ln>
-                    <a:sp3d z="711200"/>
+                    <a:sp3d z="711200" extrusionH="38100"/>
                   </p:spPr>
                   <p:style>
                     <a:lnRef idx="2">
@@ -20397,7 +20398,7 @@
                         </a:schemeClr>
                       </a:solidFill>
                     </a:ln>
-                    <a:sp3d z="12700"/>
+                    <a:sp3d z="12700" extrusionH="38100"/>
                   </p:spPr>
                   <p:style>
                     <a:lnRef idx="2">
@@ -20459,7 +20460,7 @@
                         </a:schemeClr>
                       </a:solidFill>
                     </a:ln>
-                    <a:sp3d z="114300"/>
+                    <a:sp3d z="114300" extrusionH="38100"/>
                   </p:spPr>
                   <p:style>
                     <a:lnRef idx="2">
@@ -20521,7 +20522,7 @@
                         </a:schemeClr>
                       </a:solidFill>
                     </a:ln>
-                    <a:sp3d z="215900"/>
+                    <a:sp3d z="215900" extrusionH="38100"/>
                   </p:spPr>
                   <p:style>
                     <a:lnRef idx="2">
@@ -20583,7 +20584,7 @@
                         </a:schemeClr>
                       </a:solidFill>
                     </a:ln>
-                    <a:sp3d z="317500"/>
+                    <a:sp3d z="317500" extrusionH="38100"/>
                   </p:spPr>
                   <p:style>
                     <a:lnRef idx="2">
@@ -20645,7 +20646,7 @@
                         </a:schemeClr>
                       </a:solidFill>
                     </a:ln>
-                    <a:sp3d z="419100"/>
+                    <a:sp3d z="419100" extrusionH="38100"/>
                   </p:spPr>
                   <p:style>
                     <a:lnRef idx="2">
@@ -20707,7 +20708,7 @@
                         </a:schemeClr>
                       </a:solidFill>
                     </a:ln>
-                    <a:sp3d z="520700"/>
+                    <a:sp3d z="520700" extrusionH="38100"/>
                   </p:spPr>
                   <p:style>
                     <a:lnRef idx="2">
@@ -20769,7 +20770,7 @@
                         </a:schemeClr>
                       </a:solidFill>
                     </a:ln>
-                    <a:sp3d z="622300"/>
+                    <a:sp3d z="622300" extrusionH="38100"/>
                   </p:spPr>
                   <p:style>
                     <a:lnRef idx="2">
@@ -20831,7 +20832,7 @@
                         </a:schemeClr>
                       </a:solidFill>
                     </a:ln>
-                    <a:sp3d z="723900"/>
+                    <a:sp3d z="723900" extrusionH="38100"/>
                   </p:spPr>
                   <p:style>
                     <a:lnRef idx="2">
@@ -20893,7 +20894,7 @@
                         </a:schemeClr>
                       </a:solidFill>
                     </a:ln>
-                    <a:sp3d z="25400"/>
+                    <a:sp3d z="25400" extrusionH="38100"/>
                   </p:spPr>
                   <p:style>
                     <a:lnRef idx="2">
@@ -20955,7 +20956,7 @@
                         </a:schemeClr>
                       </a:solidFill>
                     </a:ln>
-                    <a:sp3d z="127000"/>
+                    <a:sp3d z="127000" extrusionH="38100"/>
                   </p:spPr>
                   <p:style>
                     <a:lnRef idx="2">
@@ -21017,7 +21018,7 @@
                         </a:schemeClr>
                       </a:solidFill>
                     </a:ln>
-                    <a:sp3d z="228600"/>
+                    <a:sp3d z="228600" extrusionH="38100"/>
                   </p:spPr>
                   <p:style>
                     <a:lnRef idx="2">
@@ -21079,7 +21080,7 @@
                         </a:schemeClr>
                       </a:solidFill>
                     </a:ln>
-                    <a:sp3d z="330200"/>
+                    <a:sp3d z="330200" extrusionH="38100"/>
                   </p:spPr>
                   <p:style>
                     <a:lnRef idx="2">
@@ -21139,7 +21140,7 @@
                         </a:schemeClr>
                       </a:solidFill>
                     </a:ln>
-                    <a:sp3d z="431800"/>
+                    <a:sp3d z="431800" extrusionH="38100"/>
                   </p:spPr>
                   <p:style>
                     <a:lnRef idx="2">
@@ -21207,7 +21208,7 @@
                         </a:schemeClr>
                       </a:solidFill>
                     </a:ln>
-                    <a:sp3d z="533400"/>
+                    <a:sp3d z="533400" extrusionH="38100"/>
                   </p:spPr>
                   <p:style>
                     <a:lnRef idx="2">
@@ -21269,7 +21270,7 @@
                         </a:schemeClr>
                       </a:solidFill>
                     </a:ln>
-                    <a:sp3d z="635000"/>
+                    <a:sp3d z="635000" extrusionH="38100"/>
                   </p:spPr>
                   <p:style>
                     <a:lnRef idx="2">
@@ -21331,7 +21332,7 @@
                         </a:schemeClr>
                       </a:solidFill>
                     </a:ln>
-                    <a:sp3d z="736600"/>
+                    <a:sp3d z="736600" extrusionH="38100"/>
                   </p:spPr>
                   <p:style>
                     <a:lnRef idx="2">
@@ -21393,7 +21394,7 @@
                         </a:schemeClr>
                       </a:solidFill>
                     </a:ln>
-                    <a:sp3d z="38100"/>
+                    <a:sp3d z="38100" extrusionH="38100"/>
                   </p:spPr>
                   <p:style>
                     <a:lnRef idx="2">
@@ -21455,7 +21456,7 @@
                         </a:schemeClr>
                       </a:solidFill>
                     </a:ln>
-                    <a:sp3d z="139700"/>
+                    <a:sp3d z="139700" extrusionH="38100"/>
                   </p:spPr>
                   <p:style>
                     <a:lnRef idx="2">
@@ -21517,7 +21518,7 @@
                         </a:schemeClr>
                       </a:solidFill>
                     </a:ln>
-                    <a:sp3d z="241300"/>
+                    <a:sp3d z="241300" extrusionH="38100"/>
                   </p:spPr>
                   <p:style>
                     <a:lnRef idx="2">
@@ -21577,7 +21578,7 @@
                         </a:schemeClr>
                       </a:solidFill>
                     </a:ln>
-                    <a:sp3d z="342900"/>
+                    <a:sp3d z="342900" extrusionH="38100"/>
                   </p:spPr>
                   <p:style>
                     <a:lnRef idx="2">
@@ -21643,7 +21644,7 @@
                         </a:schemeClr>
                       </a:solidFill>
                     </a:ln>
-                    <a:sp3d z="444500"/>
+                    <a:sp3d z="444500" extrusionH="38100"/>
                   </p:spPr>
                   <p:style>
                     <a:lnRef idx="2">
@@ -21711,7 +21712,7 @@
                         </a:schemeClr>
                       </a:solidFill>
                     </a:ln>
-                    <a:sp3d z="546100"/>
+                    <a:sp3d z="546100" extrusionH="38100"/>
                   </p:spPr>
                   <p:style>
                     <a:lnRef idx="2">
@@ -21773,7 +21774,7 @@
                         </a:schemeClr>
                       </a:solidFill>
                     </a:ln>
-                    <a:sp3d z="647700"/>
+                    <a:sp3d z="647700" extrusionH="38100"/>
                   </p:spPr>
                   <p:style>
                     <a:lnRef idx="2">
@@ -21835,7 +21836,7 @@
                         </a:schemeClr>
                       </a:solidFill>
                     </a:ln>
-                    <a:sp3d z="749300"/>
+                    <a:sp3d z="749300" extrusionH="38100"/>
                   </p:spPr>
                   <p:style>
                     <a:lnRef idx="2">
@@ -21897,7 +21898,7 @@
                         </a:schemeClr>
                       </a:solidFill>
                     </a:ln>
-                    <a:sp3d z="50800"/>
+                    <a:sp3d z="50800" extrusionH="38100"/>
                   </p:spPr>
                   <p:style>
                     <a:lnRef idx="2">
@@ -21959,7 +21960,7 @@
                         </a:schemeClr>
                       </a:solidFill>
                     </a:ln>
-                    <a:sp3d z="152400"/>
+                    <a:sp3d z="152400" extrusionH="38100"/>
                   </p:spPr>
                   <p:style>
                     <a:lnRef idx="2">
@@ -22019,7 +22020,7 @@
                         </a:schemeClr>
                       </a:solidFill>
                     </a:ln>
-                    <a:sp3d z="254000"/>
+                    <a:sp3d z="254000" extrusionH="38100"/>
                   </p:spPr>
                   <p:style>
                     <a:lnRef idx="2">
@@ -22085,7 +22086,7 @@
                         </a:schemeClr>
                       </a:solidFill>
                     </a:ln>
-                    <a:sp3d z="355600"/>
+                    <a:sp3d z="355600" extrusionH="38100"/>
                   </p:spPr>
                   <p:style>
                     <a:lnRef idx="2">
@@ -22151,7 +22152,7 @@
                         </a:schemeClr>
                       </a:solidFill>
                     </a:ln>
-                    <a:sp3d z="457200"/>
+                    <a:sp3d z="457200" extrusionH="38100"/>
                   </p:spPr>
                   <p:style>
                     <a:lnRef idx="2">
@@ -22219,7 +22220,7 @@
                         </a:schemeClr>
                       </a:solidFill>
                     </a:ln>
-                    <a:sp3d z="558800"/>
+                    <a:sp3d z="558800" extrusionH="38100"/>
                   </p:spPr>
                   <p:style>
                     <a:lnRef idx="2">
@@ -22281,7 +22282,7 @@
                         </a:schemeClr>
                       </a:solidFill>
                     </a:ln>
-                    <a:sp3d z="660400"/>
+                    <a:sp3d z="660400" extrusionH="38100"/>
                   </p:spPr>
                   <p:style>
                     <a:lnRef idx="2">
@@ -22343,7 +22344,7 @@
                         </a:schemeClr>
                       </a:solidFill>
                     </a:ln>
-                    <a:sp3d z="762000"/>
+                    <a:sp3d z="762000" extrusionH="38100"/>
                   </p:spPr>
                   <p:style>
                     <a:lnRef idx="2">
@@ -22405,7 +22406,7 @@
                         </a:schemeClr>
                       </a:solidFill>
                     </a:ln>
-                    <a:sp3d z="63500"/>
+                    <a:sp3d z="63500" extrusionH="38100"/>
                   </p:spPr>
                   <p:style>
                     <a:lnRef idx="2">
@@ -22465,7 +22466,7 @@
                         </a:schemeClr>
                       </a:solidFill>
                     </a:ln>
-                    <a:sp3d z="165100"/>
+                    <a:sp3d z="165100" extrusionH="38100"/>
                   </p:spPr>
                   <p:style>
                     <a:lnRef idx="2">
@@ -22531,7 +22532,7 @@
                         </a:schemeClr>
                       </a:solidFill>
                     </a:ln>
-                    <a:sp3d z="266700"/>
+                    <a:sp3d z="266700" extrusionH="38100"/>
                   </p:spPr>
                   <p:style>
                     <a:lnRef idx="2">
@@ -22597,7 +22598,7 @@
                         </a:schemeClr>
                       </a:solidFill>
                     </a:ln>
-                    <a:sp3d z="368300"/>
+                    <a:sp3d z="368300" extrusionH="38100"/>
                   </p:spPr>
                   <p:style>
                     <a:lnRef idx="2">
@@ -22663,7 +22664,7 @@
                         </a:schemeClr>
                       </a:solidFill>
                     </a:ln>
-                    <a:sp3d z="469900"/>
+                    <a:sp3d z="469900" extrusionH="38100"/>
                   </p:spPr>
                   <p:style>
                     <a:lnRef idx="2">
@@ -22731,7 +22732,7 @@
                         </a:schemeClr>
                       </a:solidFill>
                     </a:ln>
-                    <a:sp3d z="571500"/>
+                    <a:sp3d z="571500" extrusionH="38100"/>
                   </p:spPr>
                   <p:style>
                     <a:lnRef idx="2">
@@ -22793,7 +22794,7 @@
                         </a:schemeClr>
                       </a:solidFill>
                     </a:ln>
-                    <a:sp3d z="673100"/>
+                    <a:sp3d z="673100" extrusionH="38100"/>
                   </p:spPr>
                   <p:style>
                     <a:lnRef idx="2">
@@ -22855,7 +22856,7 @@
                         </a:schemeClr>
                       </a:solidFill>
                     </a:ln>
-                    <a:sp3d z="774700"/>
+                    <a:sp3d z="774700" extrusionH="38100"/>
                   </p:spPr>
                   <p:style>
                     <a:lnRef idx="2">
@@ -22917,7 +22918,7 @@
                         </a:schemeClr>
                       </a:solidFill>
                     </a:ln>
-                    <a:sp3d z="76200"/>
+                    <a:sp3d z="76200" extrusionH="38100"/>
                   </p:spPr>
                   <p:style>
                     <a:lnRef idx="2">
@@ -22979,7 +22980,7 @@
                         </a:schemeClr>
                       </a:solidFill>
                     </a:ln>
-                    <a:sp3d z="177800"/>
+                    <a:sp3d z="177800" extrusionH="38100"/>
                   </p:spPr>
                   <p:style>
                     <a:lnRef idx="2">
@@ -23039,7 +23040,7 @@
                         </a:schemeClr>
                       </a:solidFill>
                     </a:ln>
-                    <a:sp3d z="279400"/>
+                    <a:sp3d z="279400" extrusionH="38100"/>
                   </p:spPr>
                   <p:style>
                     <a:lnRef idx="2">
@@ -23105,7 +23106,7 @@
                         </a:schemeClr>
                       </a:solidFill>
                     </a:ln>
-                    <a:sp3d z="381000"/>
+                    <a:sp3d z="381000" extrusionH="38100"/>
                   </p:spPr>
                   <p:style>
                     <a:lnRef idx="2">
@@ -23171,7 +23172,7 @@
                         </a:schemeClr>
                       </a:solidFill>
                     </a:ln>
-                    <a:sp3d z="482600"/>
+                    <a:sp3d z="482600" extrusionH="38100"/>
                   </p:spPr>
                   <p:style>
                     <a:lnRef idx="2">
@@ -23239,7 +23240,7 @@
                         </a:schemeClr>
                       </a:solidFill>
                     </a:ln>
-                    <a:sp3d z="584200"/>
+                    <a:sp3d z="584200" extrusionH="38100"/>
                   </p:spPr>
                   <p:style>
                     <a:lnRef idx="2">
@@ -23301,7 +23302,7 @@
                         </a:schemeClr>
                       </a:solidFill>
                     </a:ln>
-                    <a:sp3d z="685800"/>
+                    <a:sp3d z="685800" extrusionH="38100"/>
                   </p:spPr>
                   <p:style>
                     <a:lnRef idx="2">
@@ -23363,7 +23364,7 @@
                         </a:schemeClr>
                       </a:solidFill>
                     </a:ln>
-                    <a:sp3d z="787400"/>
+                    <a:sp3d z="787400" extrusionH="38100"/>
                   </p:spPr>
                   <p:style>
                     <a:lnRef idx="2">
@@ -23425,7 +23426,7 @@
                         </a:schemeClr>
                       </a:solidFill>
                     </a:ln>
-                    <a:sp3d z="88900"/>
+                    <a:sp3d z="88900" extrusionH="38100"/>
                   </p:spPr>
                   <p:style>
                     <a:lnRef idx="2">
@@ -23487,7 +23488,7 @@
                         </a:schemeClr>
                       </a:solidFill>
                     </a:ln>
-                    <a:sp3d z="190500"/>
+                    <a:sp3d z="190500" extrusionH="38100"/>
                   </p:spPr>
                   <p:style>
                     <a:lnRef idx="2">
@@ -23549,7 +23550,7 @@
                         </a:schemeClr>
                       </a:solidFill>
                     </a:ln>
-                    <a:sp3d z="292100"/>
+                    <a:sp3d z="292100" extrusionH="38100"/>
                   </p:spPr>
                   <p:style>
                     <a:lnRef idx="2">
@@ -23609,7 +23610,7 @@
                         </a:schemeClr>
                       </a:solidFill>
                     </a:ln>
-                    <a:sp3d z="393700"/>
+                    <a:sp3d z="393700" extrusionH="38100"/>
                   </p:spPr>
                   <p:style>
                     <a:lnRef idx="2">
@@ -23675,7 +23676,7 @@
                         </a:schemeClr>
                       </a:solidFill>
                     </a:ln>
-                    <a:sp3d z="495300"/>
+                    <a:sp3d z="495300" extrusionH="38100"/>
                   </p:spPr>
                   <p:style>
                     <a:lnRef idx="2">
@@ -23743,7 +23744,7 @@
                         </a:schemeClr>
                       </a:solidFill>
                     </a:ln>
-                    <a:sp3d z="596900"/>
+                    <a:sp3d z="596900" extrusionH="38100"/>
                   </p:spPr>
                   <p:style>
                     <a:lnRef idx="2">
@@ -23805,7 +23806,7 @@
                         </a:schemeClr>
                       </a:solidFill>
                     </a:ln>
-                    <a:sp3d z="698500"/>
+                    <a:sp3d z="698500" extrusionH="38100"/>
                   </p:spPr>
                   <p:style>
                     <a:lnRef idx="2">
@@ -23867,7 +23868,7 @@
                         </a:schemeClr>
                       </a:solidFill>
                     </a:ln>
-                    <a:sp3d z="800100"/>
+                    <a:sp3d z="800100" extrusionH="38100"/>
                   </p:spPr>
                   <p:style>
                     <a:lnRef idx="2">
@@ -23947,7 +23948,7 @@
                         </a:schemeClr>
                       </a:solidFill>
                     </a:ln>
-                    <a:sp3d z="1651000"/>
+                    <a:sp3d z="1651000" extrusionH="38100"/>
                   </p:spPr>
                   <p:style>
                     <a:lnRef idx="2">
@@ -24010,7 +24011,7 @@
                         </a:schemeClr>
                       </a:solidFill>
                     </a:ln>
-                    <a:sp3d z="1651000"/>
+                    <a:sp3d z="1651000" extrusionH="38100"/>
                   </p:spPr>
                   <p:style>
                     <a:lnRef idx="2">
@@ -24076,7 +24077,7 @@
                         </a:schemeClr>
                       </a:solidFill>
                     </a:ln>
-                    <a:sp3d z="1778000"/>
+                    <a:sp3d z="1778000" extrusionH="38100"/>
                   </p:spPr>
                   <p:style>
                     <a:lnRef idx="2">
@@ -24142,7 +24143,7 @@
                         </a:schemeClr>
                       </a:solidFill>
                     </a:ln>
-                    <a:sp3d z="1778000"/>
+                    <a:sp3d z="1778000" extrusionH="38100"/>
                   </p:spPr>
                   <p:style>
                     <a:lnRef idx="2">
@@ -24208,7 +24209,7 @@
                         </a:schemeClr>
                       </a:solidFill>
                     </a:ln>
-                    <a:sp3d z="1905000"/>
+                    <a:sp3d z="1905000" extrusionH="38100"/>
                   </p:spPr>
                   <p:style>
                     <a:lnRef idx="2">
@@ -24277,7 +24278,7 @@
                         </a:schemeClr>
                       </a:solidFill>
                     </a:ln>
-                    <a:sp3d z="1905000"/>
+                    <a:sp3d z="1905000" extrusionH="38100"/>
                   </p:spPr>
                   <p:style>
                     <a:lnRef idx="2">
@@ -24346,7 +24347,7 @@
                         </a:schemeClr>
                       </a:solidFill>
                     </a:ln>
-                    <a:sp3d z="2222500"/>
+                    <a:sp3d z="2222500" extrusionH="38100"/>
                   </p:spPr>
                   <p:style>
                     <a:lnRef idx="2">
@@ -24412,7 +24413,7 @@
                         </a:schemeClr>
                       </a:solidFill>
                     </a:ln>
-                    <a:sp3d z="2222500"/>
+                    <a:sp3d z="2222500" extrusionH="38100"/>
                   </p:spPr>
                   <p:style>
                     <a:lnRef idx="2">
@@ -24487,7 +24488,7 @@
                       </a:schemeClr>
                     </a:solidFill>
                   </a:ln>
-                  <a:sp3d z="1714500"/>
+                  <a:sp3d z="1714500" extrusionH="38100"/>
                 </p:spPr>
                 <p:style>
                   <a:lnRef idx="2">
@@ -24589,7 +24590,7 @@
                   </a:schemeClr>
                 </a:solidFill>
               </a:ln>
-              <a:sp3d z="2794000"/>
+              <a:sp3d z="2794000" extrusionH="38100"/>
             </p:spPr>
             <p:style>
               <a:lnRef idx="2">
@@ -24658,7 +24659,7 @@
                   </a:schemeClr>
                 </a:solidFill>
               </a:ln>
-              <a:sp3d z="3175000"/>
+              <a:sp3d z="3175000" extrusionH="38100"/>
             </p:spPr>
             <p:style>
               <a:lnRef idx="2">
@@ -24728,7 +24729,7 @@
                 </a:schemeClr>
               </a:solidFill>
             </a:ln>
-            <a:sp3d z="2921000"/>
+            <a:sp3d z="2921000" extrusionH="38100"/>
           </p:spPr>
           <p:style>
             <a:lnRef idx="2">

--- a/photos and graphics/screen_cam_matrix.pptx
+++ b/photos and graphics/screen_cam_matrix.pptx
@@ -19712,13 +19712,15 @@
         </p:nvGrpSpPr>
         <p:grpSpPr>
           <a:xfrm>
-            <a:off x="3728200" y="607160"/>
+            <a:off x="3211686" y="812775"/>
             <a:ext cx="4962524" cy="3971925"/>
             <a:chOff x="3760250" y="1554514"/>
             <a:chExt cx="4962524" cy="3971925"/>
           </a:xfrm>
           <a:scene3d>
-            <a:camera prst="perspectiveContrastingLeftFacing"/>
+            <a:camera prst="perspectiveContrastingLeftFacing">
+              <a:rot lat="624534" lon="2072563" rev="21595583"/>
+            </a:camera>
             <a:lightRig rig="threePt" dir="t"/>
           </a:scene3d>
         </p:grpSpPr>
@@ -23939,7 +23941,9 @@
                       <a:avLst/>
                     </a:prstGeom>
                     <a:solidFill>
-                      <a:schemeClr val="tx1"/>
+                      <a:schemeClr val="tx1">
+                        <a:alpha val="57000"/>
+                      </a:schemeClr>
                     </a:solidFill>
                     <a:ln w="12700">
                       <a:solidFill>
@@ -23948,7 +23952,7 @@
                         </a:schemeClr>
                       </a:solidFill>
                     </a:ln>
-                    <a:sp3d z="1651000" extrusionH="38100"/>
+                    <a:sp3d z="2032000" extrusionH="38100"/>
                   </p:spPr>
                   <p:style>
                     <a:lnRef idx="2">
@@ -24002,7 +24006,9 @@
                       <a:avLst/>
                     </a:prstGeom>
                     <a:solidFill>
-                      <a:schemeClr val="tx1"/>
+                      <a:schemeClr val="tx1">
+                        <a:alpha val="57000"/>
+                      </a:schemeClr>
                     </a:solidFill>
                     <a:ln w="12700">
                       <a:solidFill>
@@ -24068,7 +24074,9 @@
                       <a:avLst/>
                     </a:prstGeom>
                     <a:solidFill>
-                      <a:schemeClr val="tx1"/>
+                      <a:schemeClr val="tx1">
+                        <a:alpha val="57000"/>
+                      </a:schemeClr>
                     </a:solidFill>
                     <a:ln w="12700">
                       <a:solidFill>
@@ -24077,7 +24085,7 @@
                         </a:schemeClr>
                       </a:solidFill>
                     </a:ln>
-                    <a:sp3d z="1778000" extrusionH="38100"/>
+                    <a:sp3d z="2095500" extrusionH="38100"/>
                   </p:spPr>
                   <p:style>
                     <a:lnRef idx="2">
@@ -24134,7 +24142,9 @@
                       <a:avLst/>
                     </a:prstGeom>
                     <a:solidFill>
-                      <a:schemeClr val="tx1"/>
+                      <a:schemeClr val="tx1">
+                        <a:alpha val="57000"/>
+                      </a:schemeClr>
                     </a:solidFill>
                     <a:ln w="12700">
                       <a:solidFill>
@@ -24143,7 +24153,7 @@
                         </a:schemeClr>
                       </a:solidFill>
                     </a:ln>
-                    <a:sp3d z="1778000" extrusionH="38100"/>
+                    <a:sp3d z="1714500" extrusionH="38100"/>
                   </p:spPr>
                   <p:style>
                     <a:lnRef idx="2">
@@ -24200,7 +24210,9 @@
                       <a:avLst/>
                     </a:prstGeom>
                     <a:solidFill>
-                      <a:schemeClr val="tx1"/>
+                      <a:schemeClr val="tx1">
+                        <a:alpha val="57000"/>
+                      </a:schemeClr>
                     </a:solidFill>
                     <a:ln w="12700">
                       <a:solidFill>
@@ -24209,7 +24221,7 @@
                         </a:schemeClr>
                       </a:solidFill>
                     </a:ln>
-                    <a:sp3d z="1905000" extrusionH="38100"/>
+                    <a:sp3d z="2159000" extrusionH="38100"/>
                   </p:spPr>
                   <p:style>
                     <a:lnRef idx="2">
@@ -24269,7 +24281,9 @@
                       <a:avLst/>
                     </a:prstGeom>
                     <a:solidFill>
-                      <a:schemeClr val="tx1"/>
+                      <a:schemeClr val="tx1">
+                        <a:alpha val="57000"/>
+                      </a:schemeClr>
                     </a:solidFill>
                     <a:ln w="12700">
                       <a:solidFill>
@@ -24278,7 +24292,7 @@
                         </a:schemeClr>
                       </a:solidFill>
                     </a:ln>
-                    <a:sp3d z="1905000" extrusionH="38100"/>
+                    <a:sp3d z="1778000" extrusionH="38100"/>
                   </p:spPr>
                   <p:style>
                     <a:lnRef idx="2">
@@ -24338,7 +24352,9 @@
                       <a:avLst/>
                     </a:prstGeom>
                     <a:solidFill>
-                      <a:schemeClr val="tx1"/>
+                      <a:schemeClr val="tx1">
+                        <a:alpha val="57000"/>
+                      </a:schemeClr>
                     </a:solidFill>
                     <a:ln w="12700">
                       <a:solidFill>
@@ -24347,7 +24363,7 @@
                         </a:schemeClr>
                       </a:solidFill>
                     </a:ln>
-                    <a:sp3d z="2222500" extrusionH="38100"/>
+                    <a:sp3d z="2349500" extrusionH="38100"/>
                   </p:spPr>
                   <p:style>
                     <a:lnRef idx="2">
@@ -24404,7 +24420,9 @@
                       <a:avLst/>
                     </a:prstGeom>
                     <a:solidFill>
-                      <a:schemeClr val="tx1"/>
+                      <a:schemeClr val="tx1">
+                        <a:alpha val="57000"/>
+                      </a:schemeClr>
                     </a:solidFill>
                     <a:ln w="12700">
                       <a:solidFill>
@@ -24413,7 +24431,7 @@
                         </a:schemeClr>
                       </a:solidFill>
                     </a:ln>
-                    <a:sp3d z="2222500" extrusionH="38100"/>
+                    <a:sp3d z="1841500" extrusionH="38100"/>
                   </p:spPr>
                   <p:style>
                     <a:lnRef idx="2">
@@ -24590,7 +24608,7 @@
                   </a:schemeClr>
                 </a:solidFill>
               </a:ln>
-              <a:sp3d z="2794000" extrusionH="38100"/>
+              <a:sp3d z="2921000" extrusionH="38100"/>
             </p:spPr>
             <p:style>
               <a:lnRef idx="2">
@@ -24659,7 +24677,7 @@
                   </a:schemeClr>
                 </a:solidFill>
               </a:ln>
-              <a:sp3d z="3175000" extrusionH="38100"/>
+              <a:sp3d z="3302000" extrusionH="38100"/>
             </p:spPr>
             <p:style>
               <a:lnRef idx="2">
@@ -24729,7 +24747,7 @@
                 </a:schemeClr>
               </a:solidFill>
             </a:ln>
-            <a:sp3d z="2921000" extrusionH="38100"/>
+            <a:sp3d z="3175000" extrusionH="38100"/>
           </p:spPr>
           <p:style>
             <a:lnRef idx="2">
@@ -24779,7 +24797,7 @@
         </p:nvSpPr>
         <p:spPr>
           <a:xfrm>
-            <a:off x="703177" y="643742"/>
+            <a:off x="8789081" y="2308313"/>
             <a:ext cx="1994457" cy="707886"/>
           </a:xfrm>
           <a:prstGeom prst="rect">
